--- a/zd2_v2_Vankov.pptx
+++ b/zd2_v2_Vankov.pptx
@@ -8065,7 +8065,7 @@
         <p:spPr>
           <a:xfrm>
             <a:off x="3255352" y="1634051"/>
-            <a:ext cx="7016989" cy="980653"/>
+            <a:ext cx="7016989" cy="647228"/>
           </a:xfrm>
           <a:prstGeom prst="rect">
             <a:avLst/>
@@ -8089,7 +8089,7 @@
                 </a:solidFill>
                 <a:latin typeface="HK Grotesk Light"/>
               </a:rPr>
-              <a:t>Интерфейс приложения выполнен в едином тёмном стиле с акцентными цветами, что делает его визуально привлекательным и комфортным для восприятия пользователем.</a:t>
+              <a:t>Интерфейс сделан в стиле реальных кино-приложений (ориентир — ГРИНВИЧ СИНЕМА).</a:t>
             </a:r>
             <a:endParaRPr lang="en-US" sz="1883" spc="37" dirty="0">
               <a:solidFill>
